--- a/Project/Context/Varime.Context.pptx
+++ b/Project/Context/Varime.Context.pptx
@@ -11,25 +11,28 @@
     <p:sldId id="259" r:id="rId9"/>
     <p:sldId id="260" r:id="rId10"/>
     <p:sldId id="261" r:id="rId11"/>
+    <p:sldId id="262" r:id="rId12"/>
+    <p:sldId id="263" r:id="rId13"/>
+    <p:sldId id="264" r:id="rId14"/>
   </p:sldIdLst>
   <p:sldSz cx="18288000" cy="10287000"/>
   <p:notesSz cx="6858000" cy="9144000"/>
   <p:embeddedFontLst>
     <p:embeddedFont>
       <p:font typeface="Open Sans" charset="1" panose="020B0606030504020204"/>
-      <p:regular r:id="rId12"/>
+      <p:regular r:id="rId15"/>
     </p:embeddedFont>
     <p:embeddedFont>
       <p:font typeface="Archivo Black" charset="1" panose="020B0A03020202020B04"/>
-      <p:regular r:id="rId13"/>
+      <p:regular r:id="rId16"/>
     </p:embeddedFont>
     <p:embeddedFont>
       <p:font typeface="Open Sauce" charset="1" panose="00000500000000000000"/>
-      <p:regular r:id="rId14"/>
+      <p:regular r:id="rId17"/>
     </p:embeddedFont>
     <p:embeddedFont>
       <p:font typeface="Open Sans Bold" charset="1" panose="020B0806030504020204"/>
-      <p:regular r:id="rId15"/>
+      <p:regular r:id="rId18"/>
     </p:embeddedFont>
   </p:embeddedFontLst>
   <p:defaultTextStyle>
@@ -5567,8 +5570,8 @@
         </p:nvSpPr>
         <p:spPr>
           <a:xfrm rot="0">
-            <a:off x="1028700" y="3097040"/>
-            <a:ext cx="16230600" cy="2974340"/>
+            <a:off x="1028700" y="2627659"/>
+            <a:ext cx="16230600" cy="3427095"/>
           </a:xfrm>
           <a:prstGeom prst="rect">
             <a:avLst/>
@@ -5582,11 +5585,11 @@
           <a:p>
             <a:pPr algn="just">
               <a:lnSpc>
-                <a:spcPts val="3954"/>
+                <a:spcPts val="3390"/>
               </a:lnSpc>
             </a:pPr>
             <a:r>
-              <a:rPr lang="en-US" sz="3499">
+              <a:rPr lang="en-US" sz="3000">
                 <a:solidFill>
                   <a:srgbClr val="A80B29"/>
                 </a:solidFill>
@@ -5595,7 +5598,7 @@
                 <a:cs typeface="Open Sans"/>
                 <a:sym typeface="Open Sans"/>
               </a:rPr>
-              <a:t>El proyecto consiste en el desarrollo de una herramienta de inteligencia artificial basada en aprendizaje profundo para la detección temprana del cáncer de cuello uterino. Su enfoque integra el análisis de imágenes médicas, como ecografías, con datos clínicos relevantes, permitiendo la identificación de patrones complejos que podrían no ser detectados por métodos convencionales. </a:t>
+              <a:t>El proyecto consiste en el desarrollo de una herramienta de inteligencia artificial basada en aprendizaje profundo para la detección temprana del cáncer de cuello uterino. Su enfoque integra el análisis de imágenes médicas, como ecografías, con datos clínicos relevantes, permitiendo la identificación de patrones complejos que podrían no ser detectados por métodos convencionales. El sistema permitirá a los usuarios autenticarse, cargar imágenes médicas y recibir un diagnóstico automatizado con predicción del estadio, nivel de riesgo y análisis de heterogeneidad tumoral. Esta solución busca apoyar el diagnóstico oportuno y preciso, especialmente en regiones con recursos limitados como el Valle del Cauca.</a:t>
             </a:r>
           </a:p>
         </p:txBody>
@@ -5814,7 +5817,7 @@
             <a:r>
               <a:rPr lang="en-US" sz="8499">
                 <a:solidFill>
-                  <a:srgbClr val="A80B29"/>
+                  <a:srgbClr val="FFCFCE"/>
                 </a:solidFill>
                 <a:latin typeface="Archivo Black"/>
                 <a:ea typeface="Archivo Black"/>
@@ -6218,6 +6221,50 @@
                 <a:sym typeface="Open Sans"/>
               </a:rPr>
               <a:t>Desarrolladores de tecnología en salud</a:t>
+            </a:r>
+          </a:p>
+        </p:txBody>
+      </p:sp>
+      <p:sp>
+        <p:nvSpPr>
+          <p:cNvPr name="TextBox 9" id="9"/>
+          <p:cNvSpPr txBox="true"/>
+          <p:nvPr/>
+        </p:nvSpPr>
+        <p:spPr>
+          <a:xfrm rot="0">
+            <a:off x="1443573" y="1539860"/>
+            <a:ext cx="8185127" cy="1156334"/>
+          </a:xfrm>
+          <a:prstGeom prst="rect">
+            <a:avLst/>
+          </a:prstGeom>
+        </p:spPr>
+        <p:txBody>
+          <a:bodyPr anchor="t" rtlCol="false" tIns="0" lIns="0" bIns="0" rIns="0">
+            <a:spAutoFit/>
+          </a:bodyPr>
+          <a:lstStyle/>
+          <a:p>
+            <a:pPr algn="l" marL="0" indent="0" lvl="0">
+              <a:lnSpc>
+                <a:spcPts val="8669"/>
+              </a:lnSpc>
+              <a:spcBef>
+                <a:spcPct val="0"/>
+              </a:spcBef>
+            </a:pPr>
+            <a:r>
+              <a:rPr lang="en-US" sz="8499">
+                <a:solidFill>
+                  <a:srgbClr val="A80B29"/>
+                </a:solidFill>
+                <a:latin typeface="Archivo Black"/>
+                <a:ea typeface="Archivo Black"/>
+                <a:cs typeface="Archivo Black"/>
+                <a:sym typeface="Archivo Black"/>
+              </a:rPr>
+              <a:t>Contexto</a:t>
             </a:r>
           </a:p>
         </p:txBody>
@@ -6368,8 +6415,8 @@
         </p:nvSpPr>
         <p:spPr>
           <a:xfrm flipH="false" flipV="false" rot="0">
-            <a:off x="2941941" y="3123769"/>
-            <a:ext cx="12404119" cy="5260493"/>
+            <a:off x="3337818" y="2240281"/>
+            <a:ext cx="11612363" cy="7199665"/>
           </a:xfrm>
           <a:custGeom>
             <a:avLst/>
@@ -6378,18 +6425,18 @@
             <a:cxnLst/>
             <a:rect r="r" b="b" t="t" l="l"/>
             <a:pathLst>
-              <a:path h="5260493" w="12404119">
+              <a:path h="7199665" w="11612363">
                 <a:moveTo>
                   <a:pt x="0" y="0"/>
                 </a:moveTo>
                 <a:lnTo>
-                  <a:pt x="12404118" y="0"/>
+                  <a:pt x="11612364" y="0"/>
                 </a:lnTo>
                 <a:lnTo>
-                  <a:pt x="12404118" y="5260492"/>
+                  <a:pt x="11612364" y="7199665"/>
                 </a:lnTo>
                 <a:lnTo>
-                  <a:pt x="0" y="5260492"/>
+                  <a:pt x="0" y="7199665"/>
                 </a:lnTo>
                 <a:lnTo>
                   <a:pt x="0" y="0"/>
@@ -6414,51 +6461,7 @@
         </p:nvSpPr>
         <p:spPr>
           <a:xfrm rot="0">
-            <a:off x="7160932" y="8431886"/>
-            <a:ext cx="8185127" cy="480060"/>
-          </a:xfrm>
-          <a:prstGeom prst="rect">
-            <a:avLst/>
-          </a:prstGeom>
-        </p:spPr>
-        <p:txBody>
-          <a:bodyPr anchor="t" rtlCol="false" tIns="0" lIns="0" bIns="0" rIns="0">
-            <a:spAutoFit/>
-          </a:bodyPr>
-          <a:lstStyle/>
-          <a:p>
-            <a:pPr algn="r" marL="0" indent="0" lvl="0">
-              <a:lnSpc>
-                <a:spcPts val="3570"/>
-              </a:lnSpc>
-              <a:spcBef>
-                <a:spcPct val="0"/>
-              </a:spcBef>
-            </a:pPr>
-            <a:r>
-              <a:rPr lang="en-US" sz="3500">
-                <a:solidFill>
-                  <a:srgbClr val="A80B29"/>
-                </a:solidFill>
-                <a:latin typeface="Archivo Black"/>
-                <a:ea typeface="Archivo Black"/>
-                <a:cs typeface="Archivo Black"/>
-                <a:sym typeface="Archivo Black"/>
-              </a:rPr>
-              <a:t>En proceso...</a:t>
-            </a:r>
-          </a:p>
-        </p:txBody>
-      </p:sp>
-      <p:sp>
-        <p:nvSpPr>
-          <p:cNvPr name="TextBox 7" id="7"/>
-          <p:cNvSpPr txBox="true"/>
-          <p:nvPr/>
-        </p:nvSpPr>
-        <p:spPr>
-          <a:xfrm rot="0">
-            <a:off x="1236136" y="1586909"/>
+            <a:off x="1236136" y="1152525"/>
             <a:ext cx="15815727" cy="1087756"/>
           </a:xfrm>
           <a:prstGeom prst="rect">
@@ -6503,6 +6506,690 @@
 </file>
 
 <file path=ppt/slides/slide6.xml><?xml version="1.0" encoding="utf-8"?>
+<p:sld xmlns:p="http://schemas.openxmlformats.org/presentationml/2006/main" xmlns:a="http://schemas.openxmlformats.org/drawingml/2006/main" xmlns:r="http://schemas.openxmlformats.org/officeDocument/2006/relationships">
+  <p:cSld>
+    <p:spTree>
+      <p:nvGrpSpPr>
+        <p:cNvPr id="1" name=""/>
+        <p:cNvGrpSpPr/>
+        <p:nvPr/>
+      </p:nvGrpSpPr>
+      <p:grpSpPr>
+        <a:xfrm>
+          <a:off x="0" y="0"/>
+          <a:ext cx="0" cy="0"/>
+          <a:chOff x="0" y="0"/>
+          <a:chExt cx="0" cy="0"/>
+        </a:xfrm>
+      </p:grpSpPr>
+      <p:grpSp>
+        <p:nvGrpSpPr>
+          <p:cNvPr name="Group 2" id="2"/>
+          <p:cNvGrpSpPr/>
+          <p:nvPr/>
+        </p:nvGrpSpPr>
+        <p:grpSpPr>
+          <a:xfrm rot="0">
+            <a:off x="367826" y="369655"/>
+            <a:ext cx="17552348" cy="9547691"/>
+            <a:chOff x="0" y="0"/>
+            <a:chExt cx="4622841" cy="2514618"/>
+          </a:xfrm>
+        </p:grpSpPr>
+        <p:sp>
+          <p:nvSpPr>
+            <p:cNvPr name="Freeform 3" id="3"/>
+            <p:cNvSpPr/>
+            <p:nvPr/>
+          </p:nvSpPr>
+          <p:spPr>
+            <a:xfrm flipH="false" flipV="false" rot="0">
+              <a:off x="0" y="0"/>
+              <a:ext cx="4622841" cy="2514618"/>
+            </a:xfrm>
+            <a:custGeom>
+              <a:avLst/>
+              <a:gdLst/>
+              <a:ahLst/>
+              <a:cxnLst/>
+              <a:rect r="r" b="b" t="t" l="l"/>
+              <a:pathLst>
+                <a:path h="2514618" w="4622841">
+                  <a:moveTo>
+                    <a:pt x="15438" y="0"/>
+                  </a:moveTo>
+                  <a:lnTo>
+                    <a:pt x="4607403" y="0"/>
+                  </a:lnTo>
+                  <a:cubicBezTo>
+                    <a:pt x="4611497" y="0"/>
+                    <a:pt x="4615424" y="1626"/>
+                    <a:pt x="4618319" y="4522"/>
+                  </a:cubicBezTo>
+                  <a:cubicBezTo>
+                    <a:pt x="4621214" y="7417"/>
+                    <a:pt x="4622841" y="11343"/>
+                    <a:pt x="4622841" y="15438"/>
+                  </a:cubicBezTo>
+                  <a:lnTo>
+                    <a:pt x="4622841" y="2499181"/>
+                  </a:lnTo>
+                  <a:cubicBezTo>
+                    <a:pt x="4622841" y="2507707"/>
+                    <a:pt x="4615929" y="2514618"/>
+                    <a:pt x="4607403" y="2514618"/>
+                  </a:cubicBezTo>
+                  <a:lnTo>
+                    <a:pt x="15438" y="2514618"/>
+                  </a:lnTo>
+                  <a:cubicBezTo>
+                    <a:pt x="6912" y="2514618"/>
+                    <a:pt x="0" y="2507707"/>
+                    <a:pt x="0" y="2499181"/>
+                  </a:cubicBezTo>
+                  <a:lnTo>
+                    <a:pt x="0" y="15438"/>
+                  </a:lnTo>
+                  <a:cubicBezTo>
+                    <a:pt x="0" y="6912"/>
+                    <a:pt x="6912" y="0"/>
+                    <a:pt x="15438" y="0"/>
+                  </a:cubicBezTo>
+                  <a:close/>
+                </a:path>
+              </a:pathLst>
+            </a:custGeom>
+            <a:solidFill>
+              <a:srgbClr val="FFCFCE"/>
+            </a:solidFill>
+          </p:spPr>
+        </p:sp>
+        <p:sp>
+          <p:nvSpPr>
+            <p:cNvPr name="TextBox 4" id="4"/>
+            <p:cNvSpPr txBox="true"/>
+            <p:nvPr/>
+          </p:nvSpPr>
+          <p:spPr>
+            <a:xfrm>
+              <a:off x="0" y="-38100"/>
+              <a:ext cx="4622841" cy="2552718"/>
+            </a:xfrm>
+            <a:prstGeom prst="rect">
+              <a:avLst/>
+            </a:prstGeom>
+          </p:spPr>
+          <p:txBody>
+            <a:bodyPr anchor="ctr" rtlCol="false" tIns="50800" lIns="50800" bIns="50800" rIns="50800"/>
+            <a:lstStyle/>
+            <a:p>
+              <a:pPr algn="ctr">
+                <a:lnSpc>
+                  <a:spcPts val="2659"/>
+                </a:lnSpc>
+                <a:spcBef>
+                  <a:spcPct val="0"/>
+                </a:spcBef>
+              </a:pPr>
+            </a:p>
+          </p:txBody>
+        </p:sp>
+      </p:grpSp>
+      <p:sp>
+        <p:nvSpPr>
+          <p:cNvPr name="Freeform 5" id="5"/>
+          <p:cNvSpPr/>
+          <p:nvPr/>
+        </p:nvSpPr>
+        <p:spPr>
+          <a:xfrm flipH="false" flipV="false" rot="0">
+            <a:off x="4015747" y="2378775"/>
+            <a:ext cx="10256505" cy="7363645"/>
+          </a:xfrm>
+          <a:custGeom>
+            <a:avLst/>
+            <a:gdLst/>
+            <a:ahLst/>
+            <a:cxnLst/>
+            <a:rect r="r" b="b" t="t" l="l"/>
+            <a:pathLst>
+              <a:path h="7363645" w="10256505">
+                <a:moveTo>
+                  <a:pt x="0" y="0"/>
+                </a:moveTo>
+                <a:lnTo>
+                  <a:pt x="10256506" y="0"/>
+                </a:lnTo>
+                <a:lnTo>
+                  <a:pt x="10256506" y="7363645"/>
+                </a:lnTo>
+                <a:lnTo>
+                  <a:pt x="0" y="7363645"/>
+                </a:lnTo>
+                <a:lnTo>
+                  <a:pt x="0" y="0"/>
+                </a:lnTo>
+                <a:close/>
+              </a:path>
+            </a:pathLst>
+          </a:custGeom>
+          <a:blipFill>
+            <a:blip r:embed="rId2"/>
+            <a:stretch>
+              <a:fillRect l="0" t="0" r="0" b="0"/>
+            </a:stretch>
+          </a:blipFill>
+        </p:spPr>
+      </p:sp>
+      <p:sp>
+        <p:nvSpPr>
+          <p:cNvPr name="TextBox 6" id="6"/>
+          <p:cNvSpPr txBox="true"/>
+          <p:nvPr/>
+        </p:nvSpPr>
+        <p:spPr>
+          <a:xfrm rot="0">
+            <a:off x="522001" y="1152525"/>
+            <a:ext cx="17243997" cy="1064133"/>
+          </a:xfrm>
+          <a:prstGeom prst="rect">
+            <a:avLst/>
+          </a:prstGeom>
+        </p:spPr>
+        <p:txBody>
+          <a:bodyPr anchor="t" rtlCol="false" tIns="0" lIns="0" bIns="0" rIns="0">
+            <a:spAutoFit/>
+          </a:bodyPr>
+          <a:lstStyle/>
+          <a:p>
+            <a:pPr algn="l" marL="0" indent="0" lvl="0">
+              <a:lnSpc>
+                <a:spcPts val="7956"/>
+              </a:lnSpc>
+              <a:spcBef>
+                <a:spcPct val="0"/>
+              </a:spcBef>
+            </a:pPr>
+            <a:r>
+              <a:rPr lang="en-US" sz="7800">
+                <a:solidFill>
+                  <a:srgbClr val="A80B29"/>
+                </a:solidFill>
+                <a:latin typeface="Archivo Black"/>
+                <a:ea typeface="Archivo Black"/>
+                <a:cs typeface="Archivo Black"/>
+                <a:sym typeface="Archivo Black"/>
+              </a:rPr>
+              <a:t>Requerimientos No Funcionales</a:t>
+            </a:r>
+          </a:p>
+        </p:txBody>
+      </p:sp>
+    </p:spTree>
+  </p:cSld>
+  <p:clrMapOvr>
+    <a:masterClrMapping/>
+  </p:clrMapOvr>
+</p:sld>
+</file>
+
+<file path=ppt/slides/slide7.xml><?xml version="1.0" encoding="utf-8"?>
+<p:sld xmlns:p="http://schemas.openxmlformats.org/presentationml/2006/main" xmlns:a="http://schemas.openxmlformats.org/drawingml/2006/main" xmlns:r="http://schemas.openxmlformats.org/officeDocument/2006/relationships">
+  <p:cSld>
+    <p:spTree>
+      <p:nvGrpSpPr>
+        <p:cNvPr id="1" name=""/>
+        <p:cNvGrpSpPr/>
+        <p:nvPr/>
+      </p:nvGrpSpPr>
+      <p:grpSpPr>
+        <a:xfrm>
+          <a:off x="0" y="0"/>
+          <a:ext cx="0" cy="0"/>
+          <a:chOff x="0" y="0"/>
+          <a:chExt cx="0" cy="0"/>
+        </a:xfrm>
+      </p:grpSpPr>
+      <p:grpSp>
+        <p:nvGrpSpPr>
+          <p:cNvPr name="Group 2" id="2"/>
+          <p:cNvGrpSpPr/>
+          <p:nvPr/>
+        </p:nvGrpSpPr>
+        <p:grpSpPr>
+          <a:xfrm rot="0">
+            <a:off x="367826" y="369655"/>
+            <a:ext cx="17552348" cy="9547691"/>
+            <a:chOff x="0" y="0"/>
+            <a:chExt cx="4622841" cy="2514618"/>
+          </a:xfrm>
+        </p:grpSpPr>
+        <p:sp>
+          <p:nvSpPr>
+            <p:cNvPr name="Freeform 3" id="3"/>
+            <p:cNvSpPr/>
+            <p:nvPr/>
+          </p:nvSpPr>
+          <p:spPr>
+            <a:xfrm flipH="false" flipV="false" rot="0">
+              <a:off x="0" y="0"/>
+              <a:ext cx="4622841" cy="2514618"/>
+            </a:xfrm>
+            <a:custGeom>
+              <a:avLst/>
+              <a:gdLst/>
+              <a:ahLst/>
+              <a:cxnLst/>
+              <a:rect r="r" b="b" t="t" l="l"/>
+              <a:pathLst>
+                <a:path h="2514618" w="4622841">
+                  <a:moveTo>
+                    <a:pt x="15438" y="0"/>
+                  </a:moveTo>
+                  <a:lnTo>
+                    <a:pt x="4607403" y="0"/>
+                  </a:lnTo>
+                  <a:cubicBezTo>
+                    <a:pt x="4611497" y="0"/>
+                    <a:pt x="4615424" y="1626"/>
+                    <a:pt x="4618319" y="4522"/>
+                  </a:cubicBezTo>
+                  <a:cubicBezTo>
+                    <a:pt x="4621214" y="7417"/>
+                    <a:pt x="4622841" y="11343"/>
+                    <a:pt x="4622841" y="15438"/>
+                  </a:cubicBezTo>
+                  <a:lnTo>
+                    <a:pt x="4622841" y="2499181"/>
+                  </a:lnTo>
+                  <a:cubicBezTo>
+                    <a:pt x="4622841" y="2507707"/>
+                    <a:pt x="4615929" y="2514618"/>
+                    <a:pt x="4607403" y="2514618"/>
+                  </a:cubicBezTo>
+                  <a:lnTo>
+                    <a:pt x="15438" y="2514618"/>
+                  </a:lnTo>
+                  <a:cubicBezTo>
+                    <a:pt x="6912" y="2514618"/>
+                    <a:pt x="0" y="2507707"/>
+                    <a:pt x="0" y="2499181"/>
+                  </a:cubicBezTo>
+                  <a:lnTo>
+                    <a:pt x="0" y="15438"/>
+                  </a:lnTo>
+                  <a:cubicBezTo>
+                    <a:pt x="0" y="6912"/>
+                    <a:pt x="6912" y="0"/>
+                    <a:pt x="15438" y="0"/>
+                  </a:cubicBezTo>
+                  <a:close/>
+                </a:path>
+              </a:pathLst>
+            </a:custGeom>
+            <a:solidFill>
+              <a:srgbClr val="FFCFCE"/>
+            </a:solidFill>
+          </p:spPr>
+        </p:sp>
+        <p:sp>
+          <p:nvSpPr>
+            <p:cNvPr name="TextBox 4" id="4"/>
+            <p:cNvSpPr txBox="true"/>
+            <p:nvPr/>
+          </p:nvSpPr>
+          <p:spPr>
+            <a:xfrm>
+              <a:off x="0" y="-38100"/>
+              <a:ext cx="4622841" cy="2552718"/>
+            </a:xfrm>
+            <a:prstGeom prst="rect">
+              <a:avLst/>
+            </a:prstGeom>
+          </p:spPr>
+          <p:txBody>
+            <a:bodyPr anchor="ctr" rtlCol="false" tIns="50800" lIns="50800" bIns="50800" rIns="50800"/>
+            <a:lstStyle/>
+            <a:p>
+              <a:pPr algn="ctr">
+                <a:lnSpc>
+                  <a:spcPts val="2659"/>
+                </a:lnSpc>
+                <a:spcBef>
+                  <a:spcPct val="0"/>
+                </a:spcBef>
+              </a:pPr>
+            </a:p>
+          </p:txBody>
+        </p:sp>
+      </p:grpSp>
+      <p:sp>
+        <p:nvSpPr>
+          <p:cNvPr name="Freeform 5" id="5"/>
+          <p:cNvSpPr/>
+          <p:nvPr/>
+        </p:nvSpPr>
+        <p:spPr>
+          <a:xfrm flipH="false" flipV="false" rot="0">
+            <a:off x="1343527" y="2575269"/>
+            <a:ext cx="15600947" cy="6493894"/>
+          </a:xfrm>
+          <a:custGeom>
+            <a:avLst/>
+            <a:gdLst/>
+            <a:ahLst/>
+            <a:cxnLst/>
+            <a:rect r="r" b="b" t="t" l="l"/>
+            <a:pathLst>
+              <a:path h="6493894" w="15600947">
+                <a:moveTo>
+                  <a:pt x="0" y="0"/>
+                </a:moveTo>
+                <a:lnTo>
+                  <a:pt x="15600946" y="0"/>
+                </a:lnTo>
+                <a:lnTo>
+                  <a:pt x="15600946" y="6493894"/>
+                </a:lnTo>
+                <a:lnTo>
+                  <a:pt x="0" y="6493894"/>
+                </a:lnTo>
+                <a:lnTo>
+                  <a:pt x="0" y="0"/>
+                </a:lnTo>
+                <a:close/>
+              </a:path>
+            </a:pathLst>
+          </a:custGeom>
+          <a:blipFill>
+            <a:blip r:embed="rId2"/>
+            <a:stretch>
+              <a:fillRect l="0" t="0" r="0" b="0"/>
+            </a:stretch>
+          </a:blipFill>
+        </p:spPr>
+      </p:sp>
+      <p:sp>
+        <p:nvSpPr>
+          <p:cNvPr name="TextBox 6" id="6"/>
+          <p:cNvSpPr txBox="true"/>
+          <p:nvPr/>
+        </p:nvSpPr>
+        <p:spPr>
+          <a:xfrm rot="0">
+            <a:off x="3575208" y="1152525"/>
+            <a:ext cx="11137583" cy="1064133"/>
+          </a:xfrm>
+          <a:prstGeom prst="rect">
+            <a:avLst/>
+          </a:prstGeom>
+        </p:spPr>
+        <p:txBody>
+          <a:bodyPr anchor="t" rtlCol="false" tIns="0" lIns="0" bIns="0" rIns="0">
+            <a:spAutoFit/>
+          </a:bodyPr>
+          <a:lstStyle/>
+          <a:p>
+            <a:pPr algn="l" marL="0" indent="0" lvl="0">
+              <a:lnSpc>
+                <a:spcPts val="7956"/>
+              </a:lnSpc>
+              <a:spcBef>
+                <a:spcPct val="0"/>
+              </a:spcBef>
+            </a:pPr>
+            <a:r>
+              <a:rPr lang="en-US" sz="7800">
+                <a:solidFill>
+                  <a:srgbClr val="A80B29"/>
+                </a:solidFill>
+                <a:latin typeface="Archivo Black"/>
+                <a:ea typeface="Archivo Black"/>
+                <a:cs typeface="Archivo Black"/>
+                <a:sym typeface="Archivo Black"/>
+              </a:rPr>
+              <a:t>Atributos de Calidad</a:t>
+            </a:r>
+          </a:p>
+        </p:txBody>
+      </p:sp>
+    </p:spTree>
+  </p:cSld>
+  <p:clrMapOvr>
+    <a:masterClrMapping/>
+  </p:clrMapOvr>
+</p:sld>
+</file>
+
+<file path=ppt/slides/slide8.xml><?xml version="1.0" encoding="utf-8"?>
+<p:sld xmlns:p="http://schemas.openxmlformats.org/presentationml/2006/main" xmlns:a="http://schemas.openxmlformats.org/drawingml/2006/main" xmlns:r="http://schemas.openxmlformats.org/officeDocument/2006/relationships">
+  <p:cSld>
+    <p:spTree>
+      <p:nvGrpSpPr>
+        <p:cNvPr id="1" name=""/>
+        <p:cNvGrpSpPr/>
+        <p:nvPr/>
+      </p:nvGrpSpPr>
+      <p:grpSpPr>
+        <a:xfrm>
+          <a:off x="0" y="0"/>
+          <a:ext cx="0" cy="0"/>
+          <a:chOff x="0" y="0"/>
+          <a:chExt cx="0" cy="0"/>
+        </a:xfrm>
+      </p:grpSpPr>
+      <p:grpSp>
+        <p:nvGrpSpPr>
+          <p:cNvPr name="Group 2" id="2"/>
+          <p:cNvGrpSpPr/>
+          <p:nvPr/>
+        </p:nvGrpSpPr>
+        <p:grpSpPr>
+          <a:xfrm rot="0">
+            <a:off x="367826" y="369655"/>
+            <a:ext cx="17552348" cy="9547691"/>
+            <a:chOff x="0" y="0"/>
+            <a:chExt cx="4622841" cy="2514618"/>
+          </a:xfrm>
+        </p:grpSpPr>
+        <p:sp>
+          <p:nvSpPr>
+            <p:cNvPr name="Freeform 3" id="3"/>
+            <p:cNvSpPr/>
+            <p:nvPr/>
+          </p:nvSpPr>
+          <p:spPr>
+            <a:xfrm flipH="false" flipV="false" rot="0">
+              <a:off x="0" y="0"/>
+              <a:ext cx="4622841" cy="2514618"/>
+            </a:xfrm>
+            <a:custGeom>
+              <a:avLst/>
+              <a:gdLst/>
+              <a:ahLst/>
+              <a:cxnLst/>
+              <a:rect r="r" b="b" t="t" l="l"/>
+              <a:pathLst>
+                <a:path h="2514618" w="4622841">
+                  <a:moveTo>
+                    <a:pt x="15438" y="0"/>
+                  </a:moveTo>
+                  <a:lnTo>
+                    <a:pt x="4607403" y="0"/>
+                  </a:lnTo>
+                  <a:cubicBezTo>
+                    <a:pt x="4611497" y="0"/>
+                    <a:pt x="4615424" y="1626"/>
+                    <a:pt x="4618319" y="4522"/>
+                  </a:cubicBezTo>
+                  <a:cubicBezTo>
+                    <a:pt x="4621214" y="7417"/>
+                    <a:pt x="4622841" y="11343"/>
+                    <a:pt x="4622841" y="15438"/>
+                  </a:cubicBezTo>
+                  <a:lnTo>
+                    <a:pt x="4622841" y="2499181"/>
+                  </a:lnTo>
+                  <a:cubicBezTo>
+                    <a:pt x="4622841" y="2507707"/>
+                    <a:pt x="4615929" y="2514618"/>
+                    <a:pt x="4607403" y="2514618"/>
+                  </a:cubicBezTo>
+                  <a:lnTo>
+                    <a:pt x="15438" y="2514618"/>
+                  </a:lnTo>
+                  <a:cubicBezTo>
+                    <a:pt x="6912" y="2514618"/>
+                    <a:pt x="0" y="2507707"/>
+                    <a:pt x="0" y="2499181"/>
+                  </a:cubicBezTo>
+                  <a:lnTo>
+                    <a:pt x="0" y="15438"/>
+                  </a:lnTo>
+                  <a:cubicBezTo>
+                    <a:pt x="0" y="6912"/>
+                    <a:pt x="6912" y="0"/>
+                    <a:pt x="15438" y="0"/>
+                  </a:cubicBezTo>
+                  <a:close/>
+                </a:path>
+              </a:pathLst>
+            </a:custGeom>
+            <a:solidFill>
+              <a:srgbClr val="FFCFCE"/>
+            </a:solidFill>
+          </p:spPr>
+        </p:sp>
+        <p:sp>
+          <p:nvSpPr>
+            <p:cNvPr name="TextBox 4" id="4"/>
+            <p:cNvSpPr txBox="true"/>
+            <p:nvPr/>
+          </p:nvSpPr>
+          <p:spPr>
+            <a:xfrm>
+              <a:off x="0" y="-38100"/>
+              <a:ext cx="4622841" cy="2552718"/>
+            </a:xfrm>
+            <a:prstGeom prst="rect">
+              <a:avLst/>
+            </a:prstGeom>
+          </p:spPr>
+          <p:txBody>
+            <a:bodyPr anchor="ctr" rtlCol="false" tIns="50800" lIns="50800" bIns="50800" rIns="50800"/>
+            <a:lstStyle/>
+            <a:p>
+              <a:pPr algn="ctr">
+                <a:lnSpc>
+                  <a:spcPts val="2659"/>
+                </a:lnSpc>
+                <a:spcBef>
+                  <a:spcPct val="0"/>
+                </a:spcBef>
+              </a:pPr>
+            </a:p>
+          </p:txBody>
+        </p:sp>
+      </p:grpSp>
+      <p:sp>
+        <p:nvSpPr>
+          <p:cNvPr name="Freeform 5" id="5"/>
+          <p:cNvSpPr/>
+          <p:nvPr/>
+        </p:nvSpPr>
+        <p:spPr>
+          <a:xfrm flipH="false" flipV="false" rot="0">
+            <a:off x="698263" y="2907813"/>
+            <a:ext cx="16891474" cy="5721987"/>
+          </a:xfrm>
+          <a:custGeom>
+            <a:avLst/>
+            <a:gdLst/>
+            <a:ahLst/>
+            <a:cxnLst/>
+            <a:rect r="r" b="b" t="t" l="l"/>
+            <a:pathLst>
+              <a:path h="5721987" w="16891474">
+                <a:moveTo>
+                  <a:pt x="0" y="0"/>
+                </a:moveTo>
+                <a:lnTo>
+                  <a:pt x="16891474" y="0"/>
+                </a:lnTo>
+                <a:lnTo>
+                  <a:pt x="16891474" y="5721987"/>
+                </a:lnTo>
+                <a:lnTo>
+                  <a:pt x="0" y="5721987"/>
+                </a:lnTo>
+                <a:lnTo>
+                  <a:pt x="0" y="0"/>
+                </a:lnTo>
+                <a:close/>
+              </a:path>
+            </a:pathLst>
+          </a:custGeom>
+          <a:blipFill>
+            <a:blip r:embed="rId2"/>
+            <a:stretch>
+              <a:fillRect l="0" t="0" r="0" b="0"/>
+            </a:stretch>
+          </a:blipFill>
+        </p:spPr>
+      </p:sp>
+      <p:sp>
+        <p:nvSpPr>
+          <p:cNvPr name="TextBox 6" id="6"/>
+          <p:cNvSpPr txBox="true"/>
+          <p:nvPr/>
+        </p:nvSpPr>
+        <p:spPr>
+          <a:xfrm rot="0">
+            <a:off x="3575208" y="1152525"/>
+            <a:ext cx="11137583" cy="1064133"/>
+          </a:xfrm>
+          <a:prstGeom prst="rect">
+            <a:avLst/>
+          </a:prstGeom>
+        </p:spPr>
+        <p:txBody>
+          <a:bodyPr anchor="t" rtlCol="false" tIns="0" lIns="0" bIns="0" rIns="0">
+            <a:spAutoFit/>
+          </a:bodyPr>
+          <a:lstStyle/>
+          <a:p>
+            <a:pPr algn="ctr" marL="0" indent="0" lvl="0">
+              <a:lnSpc>
+                <a:spcPts val="7956"/>
+              </a:lnSpc>
+              <a:spcBef>
+                <a:spcPct val="0"/>
+              </a:spcBef>
+            </a:pPr>
+            <a:r>
+              <a:rPr lang="en-US" sz="7800">
+                <a:solidFill>
+                  <a:srgbClr val="A80B29"/>
+                </a:solidFill>
+                <a:latin typeface="Archivo Black"/>
+                <a:ea typeface="Archivo Black"/>
+                <a:cs typeface="Archivo Black"/>
+                <a:sym typeface="Archivo Black"/>
+              </a:rPr>
+              <a:t>Ponderación</a:t>
+            </a:r>
+          </a:p>
+        </p:txBody>
+      </p:sp>
+    </p:spTree>
+  </p:cSld>
+  <p:clrMapOvr>
+    <a:masterClrMapping/>
+  </p:clrMapOvr>
+</p:sld>
+</file>
+
+<file path=ppt/slides/slide9.xml><?xml version="1.0" encoding="utf-8"?>
 <p:sld xmlns:p="http://schemas.openxmlformats.org/presentationml/2006/main" xmlns:a="http://schemas.openxmlformats.org/drawingml/2006/main" xmlns:r="http://schemas.openxmlformats.org/officeDocument/2006/relationships">
   <p:cSld>
     <p:spTree>

--- a/Project/Context/Varime.Context.pptx
+++ b/Project/Context/Varime.Context.pptx
@@ -6415,8 +6415,8 @@
         </p:nvSpPr>
         <p:spPr>
           <a:xfrm flipH="false" flipV="false" rot="0">
-            <a:off x="3337818" y="2240281"/>
-            <a:ext cx="11612363" cy="7199665"/>
+            <a:off x="3802647" y="2240281"/>
+            <a:ext cx="10682706" cy="7297262"/>
           </a:xfrm>
           <a:custGeom>
             <a:avLst/>
@@ -6425,18 +6425,18 @@
             <a:cxnLst/>
             <a:rect r="r" b="b" t="t" l="l"/>
             <a:pathLst>
-              <a:path h="7199665" w="11612363">
+              <a:path h="7297262" w="10682706">
                 <a:moveTo>
                   <a:pt x="0" y="0"/>
                 </a:moveTo>
                 <a:lnTo>
-                  <a:pt x="11612364" y="0"/>
+                  <a:pt x="10682706" y="0"/>
                 </a:lnTo>
                 <a:lnTo>
-                  <a:pt x="11612364" y="7199665"/>
+                  <a:pt x="10682706" y="7297262"/>
                 </a:lnTo>
                 <a:lnTo>
-                  <a:pt x="0" y="7199665"/>
+                  <a:pt x="0" y="7297262"/>
                 </a:lnTo>
                 <a:lnTo>
                   <a:pt x="0" y="0"/>
@@ -6448,7 +6448,7 @@
           <a:blipFill>
             <a:blip r:embed="rId2"/>
             <a:stretch>
-              <a:fillRect l="0" t="0" r="0" b="0"/>
+              <a:fillRect l="-9954" t="0" r="0" b="0"/>
             </a:stretch>
           </a:blipFill>
         </p:spPr>
@@ -6865,14 +6865,58 @@
       </p:grpSp>
       <p:sp>
         <p:nvSpPr>
-          <p:cNvPr name="Freeform 5" id="5"/>
+          <p:cNvPr name="TextBox 5" id="5"/>
+          <p:cNvSpPr txBox="true"/>
+          <p:nvPr/>
+        </p:nvSpPr>
+        <p:spPr>
+          <a:xfrm rot="0">
+            <a:off x="3575208" y="1152525"/>
+            <a:ext cx="11137583" cy="1064133"/>
+          </a:xfrm>
+          <a:prstGeom prst="rect">
+            <a:avLst/>
+          </a:prstGeom>
+        </p:spPr>
+        <p:txBody>
+          <a:bodyPr anchor="t" rtlCol="false" tIns="0" lIns="0" bIns="0" rIns="0">
+            <a:spAutoFit/>
+          </a:bodyPr>
+          <a:lstStyle/>
+          <a:p>
+            <a:pPr algn="l" marL="0" indent="0" lvl="0">
+              <a:lnSpc>
+                <a:spcPts val="7956"/>
+              </a:lnSpc>
+              <a:spcBef>
+                <a:spcPct val="0"/>
+              </a:spcBef>
+            </a:pPr>
+            <a:r>
+              <a:rPr lang="en-US" sz="7800">
+                <a:solidFill>
+                  <a:srgbClr val="A80B29"/>
+                </a:solidFill>
+                <a:latin typeface="Archivo Black"/>
+                <a:ea typeface="Archivo Black"/>
+                <a:cs typeface="Archivo Black"/>
+                <a:sym typeface="Archivo Black"/>
+              </a:rPr>
+              <a:t>Atributos de Calidad</a:t>
+            </a:r>
+          </a:p>
+        </p:txBody>
+      </p:sp>
+      <p:sp>
+        <p:nvSpPr>
+          <p:cNvPr name="Freeform 6" id="6"/>
           <p:cNvSpPr/>
           <p:nvPr/>
         </p:nvSpPr>
         <p:spPr>
           <a:xfrm flipH="false" flipV="false" rot="0">
-            <a:off x="1343527" y="2575269"/>
-            <a:ext cx="15600947" cy="6493894"/>
+            <a:off x="690436" y="3209747"/>
+            <a:ext cx="16907128" cy="3867506"/>
           </a:xfrm>
           <a:custGeom>
             <a:avLst/>
@@ -6881,18 +6925,18 @@
             <a:cxnLst/>
             <a:rect r="r" b="b" t="t" l="l"/>
             <a:pathLst>
-              <a:path h="6493894" w="15600947">
+              <a:path h="3867506" w="16907128">
                 <a:moveTo>
                   <a:pt x="0" y="0"/>
                 </a:moveTo>
                 <a:lnTo>
-                  <a:pt x="15600946" y="0"/>
+                  <a:pt x="16907128" y="0"/>
                 </a:lnTo>
                 <a:lnTo>
-                  <a:pt x="15600946" y="6493894"/>
+                  <a:pt x="16907128" y="3867506"/>
                 </a:lnTo>
                 <a:lnTo>
-                  <a:pt x="0" y="6493894"/>
+                  <a:pt x="0" y="3867506"/>
                 </a:lnTo>
                 <a:lnTo>
                   <a:pt x="0" y="0"/>
@@ -6908,50 +6952,6 @@
             </a:stretch>
           </a:blipFill>
         </p:spPr>
-      </p:sp>
-      <p:sp>
-        <p:nvSpPr>
-          <p:cNvPr name="TextBox 6" id="6"/>
-          <p:cNvSpPr txBox="true"/>
-          <p:nvPr/>
-        </p:nvSpPr>
-        <p:spPr>
-          <a:xfrm rot="0">
-            <a:off x="3575208" y="1152525"/>
-            <a:ext cx="11137583" cy="1064133"/>
-          </a:xfrm>
-          <a:prstGeom prst="rect">
-            <a:avLst/>
-          </a:prstGeom>
-        </p:spPr>
-        <p:txBody>
-          <a:bodyPr anchor="t" rtlCol="false" tIns="0" lIns="0" bIns="0" rIns="0">
-            <a:spAutoFit/>
-          </a:bodyPr>
-          <a:lstStyle/>
-          <a:p>
-            <a:pPr algn="l" marL="0" indent="0" lvl="0">
-              <a:lnSpc>
-                <a:spcPts val="7956"/>
-              </a:lnSpc>
-              <a:spcBef>
-                <a:spcPct val="0"/>
-              </a:spcBef>
-            </a:pPr>
-            <a:r>
-              <a:rPr lang="en-US" sz="7800">
-                <a:solidFill>
-                  <a:srgbClr val="A80B29"/>
-                </a:solidFill>
-                <a:latin typeface="Archivo Black"/>
-                <a:ea typeface="Archivo Black"/>
-                <a:cs typeface="Archivo Black"/>
-                <a:sym typeface="Archivo Black"/>
-              </a:rPr>
-              <a:t>Atributos de Calidad</a:t>
-            </a:r>
-          </a:p>
-        </p:txBody>
       </p:sp>
     </p:spTree>
   </p:cSld>
@@ -7093,14 +7093,58 @@
       </p:grpSp>
       <p:sp>
         <p:nvSpPr>
-          <p:cNvPr name="Freeform 5" id="5"/>
+          <p:cNvPr name="TextBox 5" id="5"/>
+          <p:cNvSpPr txBox="true"/>
+          <p:nvPr/>
+        </p:nvSpPr>
+        <p:spPr>
+          <a:xfrm rot="0">
+            <a:off x="3575208" y="1152525"/>
+            <a:ext cx="11137583" cy="1064133"/>
+          </a:xfrm>
+          <a:prstGeom prst="rect">
+            <a:avLst/>
+          </a:prstGeom>
+        </p:spPr>
+        <p:txBody>
+          <a:bodyPr anchor="t" rtlCol="false" tIns="0" lIns="0" bIns="0" rIns="0">
+            <a:spAutoFit/>
+          </a:bodyPr>
+          <a:lstStyle/>
+          <a:p>
+            <a:pPr algn="ctr" marL="0" indent="0" lvl="0">
+              <a:lnSpc>
+                <a:spcPts val="7956"/>
+              </a:lnSpc>
+              <a:spcBef>
+                <a:spcPct val="0"/>
+              </a:spcBef>
+            </a:pPr>
+            <a:r>
+              <a:rPr lang="en-US" sz="7800">
+                <a:solidFill>
+                  <a:srgbClr val="A80B29"/>
+                </a:solidFill>
+                <a:latin typeface="Archivo Black"/>
+                <a:ea typeface="Archivo Black"/>
+                <a:cs typeface="Archivo Black"/>
+                <a:sym typeface="Archivo Black"/>
+              </a:rPr>
+              <a:t>Ponderación</a:t>
+            </a:r>
+          </a:p>
+        </p:txBody>
+      </p:sp>
+      <p:sp>
+        <p:nvSpPr>
+          <p:cNvPr name="Freeform 6" id="6"/>
           <p:cNvSpPr/>
           <p:nvPr/>
         </p:nvSpPr>
         <p:spPr>
           <a:xfrm flipH="false" flipV="false" rot="0">
-            <a:off x="698263" y="2907813"/>
-            <a:ext cx="16891474" cy="5721987"/>
+            <a:off x="3079290" y="2216658"/>
+            <a:ext cx="12129421" cy="7379712"/>
           </a:xfrm>
           <a:custGeom>
             <a:avLst/>
@@ -7109,18 +7153,18 @@
             <a:cxnLst/>
             <a:rect r="r" b="b" t="t" l="l"/>
             <a:pathLst>
-              <a:path h="5721987" w="16891474">
+              <a:path h="7379712" w="12129421">
                 <a:moveTo>
                   <a:pt x="0" y="0"/>
                 </a:moveTo>
                 <a:lnTo>
-                  <a:pt x="16891474" y="0"/>
+                  <a:pt x="12129420" y="0"/>
                 </a:lnTo>
                 <a:lnTo>
-                  <a:pt x="16891474" y="5721987"/>
+                  <a:pt x="12129420" y="7379712"/>
                 </a:lnTo>
                 <a:lnTo>
-                  <a:pt x="0" y="5721987"/>
+                  <a:pt x="0" y="7379712"/>
                 </a:lnTo>
                 <a:lnTo>
                   <a:pt x="0" y="0"/>
@@ -7136,50 +7180,6 @@
             </a:stretch>
           </a:blipFill>
         </p:spPr>
-      </p:sp>
-      <p:sp>
-        <p:nvSpPr>
-          <p:cNvPr name="TextBox 6" id="6"/>
-          <p:cNvSpPr txBox="true"/>
-          <p:nvPr/>
-        </p:nvSpPr>
-        <p:spPr>
-          <a:xfrm rot="0">
-            <a:off x="3575208" y="1152525"/>
-            <a:ext cx="11137583" cy="1064133"/>
-          </a:xfrm>
-          <a:prstGeom prst="rect">
-            <a:avLst/>
-          </a:prstGeom>
-        </p:spPr>
-        <p:txBody>
-          <a:bodyPr anchor="t" rtlCol="false" tIns="0" lIns="0" bIns="0" rIns="0">
-            <a:spAutoFit/>
-          </a:bodyPr>
-          <a:lstStyle/>
-          <a:p>
-            <a:pPr algn="ctr" marL="0" indent="0" lvl="0">
-              <a:lnSpc>
-                <a:spcPts val="7956"/>
-              </a:lnSpc>
-              <a:spcBef>
-                <a:spcPct val="0"/>
-              </a:spcBef>
-            </a:pPr>
-            <a:r>
-              <a:rPr lang="en-US" sz="7800">
-                <a:solidFill>
-                  <a:srgbClr val="A80B29"/>
-                </a:solidFill>
-                <a:latin typeface="Archivo Black"/>
-                <a:ea typeface="Archivo Black"/>
-                <a:cs typeface="Archivo Black"/>
-                <a:sym typeface="Archivo Black"/>
-              </a:rPr>
-              <a:t>Ponderación</a:t>
-            </a:r>
-          </a:p>
-        </p:txBody>
       </p:sp>
     </p:spTree>
   </p:cSld>
